--- a/meterials/slides/ch02-single-entity-mapping.pptx
+++ b/meterials/slides/ch02-single-entity-mapping.pptx
@@ -306,7 +306,7 @@
           <a:p>
             <a:fld id="{8C6DAAC4-3F4D-4BC2-99C2-C888EF35166D}" type="datetimeFigureOut">
               <a:rPr lang="zh-CN" altLang="en-US" smtClean="0"/>
-              <a:t>2017/9/5</a:t>
+              <a:t>2017/9/6</a:t>
             </a:fld>
             <a:endParaRPr lang="zh-CN" altLang="en-US"/>
           </a:p>
@@ -20486,7 +20486,23 @@
             </a:r>
             <a:r>
               <a:rPr lang="zh-CN" altLang="en-US" dirty="0"/>
-              <a:t>持久化到数据库中的类即</a:t>
+              <a:t>持久化到数据库中</a:t>
+            </a:r>
+            <a:r>
+              <a:rPr lang="zh-CN" altLang="en-US"/>
+              <a:t>的</a:t>
+            </a:r>
+            <a:r>
+              <a:rPr lang="zh-CN" altLang="en-US" smtClean="0"/>
+              <a:t>类</a:t>
+            </a:r>
+            <a:r>
+              <a:rPr lang="zh-CN" altLang="en-US"/>
+              <a:t>，</a:t>
+            </a:r>
+            <a:r>
+              <a:rPr lang="zh-CN" altLang="en-US" smtClean="0"/>
+              <a:t>即</a:t>
             </a:r>
             <a:r>
               <a:rPr lang="zh-CN" altLang="en-US"/>
@@ -21304,16 +21320,16 @@
                 </a:solidFill>
                 <a:latin typeface="+mn-lt"/>
               </a:rPr>
-              <a:t>"User</a:t>
-            </a:r>
-            <a:r>
-              <a:rPr lang="en-US" altLang="zh-CN" sz="2200" i="0" dirty="0" smtClean="0">
+              <a:t>"</a:t>
+            </a:r>
+            <a:r>
+              <a:rPr lang="en-US" altLang="zh-CN" sz="2200" i="0" smtClean="0">
                 <a:solidFill>
                   <a:srgbClr val="2A00FF"/>
                 </a:solidFill>
                 <a:latin typeface="+mn-lt"/>
               </a:rPr>
-              <a:t>" </a:t>
+              <a:t>User" </a:t>
             </a:r>
             <a:r>
               <a:rPr lang="en-US" altLang="zh-CN" sz="2200" i="0" dirty="0">
@@ -21495,7 +21511,7 @@
               <a:t>&lt;generator  </a:t>
             </a:r>
             <a:r>
-              <a:rPr lang="en-US" altLang="zh-CN" sz="2400" i="0" dirty="0">
+              <a:rPr lang="en-US" altLang="zh-CN" sz="2400" i="0">
                 <a:solidFill>
                   <a:srgbClr val="7F007F"/>
                 </a:solidFill>
@@ -21503,25 +21519,30 @@
               <a:t>class</a:t>
             </a:r>
             <a:r>
-              <a:rPr lang="en-US" altLang="zh-CN" sz="2400" i="0" dirty="0"/>
+              <a:rPr lang="en-US" altLang="zh-CN" sz="2400" i="0" smtClean="0"/>
               <a:t>=</a:t>
             </a:r>
             <a:r>
-              <a:rPr lang="en-US" altLang="zh-CN" sz="2400" i="0" dirty="0">
+              <a:rPr lang="en-US" altLang="zh-CN" sz="2400" i="0" smtClean="0">
                 <a:solidFill>
                   <a:srgbClr val="2A00FF"/>
                 </a:solidFill>
               </a:rPr>
-              <a:t>“increment”</a:t>
-            </a:r>
-            <a:r>
-              <a:rPr lang="en-US" altLang="zh-CN" sz="2400" i="0" dirty="0">
+              <a:t>"increment"</a:t>
+            </a:r>
+            <a:r>
+              <a:rPr lang="en-US" altLang="zh-CN" sz="2400" i="0" smtClean="0">
                 <a:solidFill>
                   <a:srgbClr val="008080"/>
                 </a:solidFill>
               </a:rPr>
               <a:t>/&gt;</a:t>
             </a:r>
+            <a:endParaRPr lang="en-US" altLang="zh-CN" sz="2400" i="0" dirty="0">
+              <a:solidFill>
+                <a:srgbClr val="008080"/>
+              </a:solidFill>
+            </a:endParaRPr>
           </a:p>
           <a:p>
             <a:r>
@@ -21598,7 +21619,7 @@
               <a:t>property </a:t>
             </a:r>
             <a:r>
-              <a:rPr lang="en-US" altLang="zh-CN" sz="2200" i="0" dirty="0">
+              <a:rPr lang="en-US" altLang="zh-CN" sz="2200" i="0">
                 <a:solidFill>
                   <a:srgbClr val="7F007F"/>
                 </a:solidFill>
@@ -21607,7 +21628,7 @@
               <a:t>name</a:t>
             </a:r>
             <a:r>
-              <a:rPr lang="en-US" altLang="zh-CN" sz="2200" i="0" dirty="0" smtClean="0">
+              <a:rPr lang="en-US" altLang="zh-CN" sz="2200" i="0" smtClean="0">
                 <a:solidFill>
                   <a:srgbClr val="000000"/>
                 </a:solidFill>
@@ -21616,76 +21637,49 @@
               <a:t>=</a:t>
             </a:r>
             <a:r>
-              <a:rPr lang="en-US" altLang="zh-CN" sz="2200" i="0" dirty="0" smtClean="0">
+              <a:rPr lang="en-US" altLang="zh-CN" sz="2200" i="0" smtClean="0">
                 <a:solidFill>
                   <a:srgbClr val="2A00FF"/>
                 </a:solidFill>
                 <a:latin typeface="+mn-lt"/>
               </a:rPr>
-              <a:t>“</a:t>
-            </a:r>
-            <a:r>
-              <a:rPr lang="en-US" altLang="zh-CN" sz="2200" i="0" dirty="0" err="1" smtClean="0">
+              <a:t>"username" </a:t>
+            </a:r>
+            <a:r>
+              <a:rPr lang="en-US" altLang="zh-CN" sz="2200" i="0">
+                <a:solidFill>
+                  <a:srgbClr val="7F007F"/>
+                </a:solidFill>
+                <a:latin typeface="+mn-lt"/>
+              </a:rPr>
+              <a:t>type</a:t>
+            </a:r>
+            <a:r>
+              <a:rPr lang="en-US" altLang="zh-CN" sz="2200" i="0" smtClean="0">
+                <a:solidFill>
+                  <a:srgbClr val="000000"/>
+                </a:solidFill>
+                <a:latin typeface="+mn-lt"/>
+              </a:rPr>
+              <a:t>=</a:t>
+            </a:r>
+            <a:r>
+              <a:rPr lang="en-US" altLang="zh-CN" sz="2200" i="0" smtClean="0">
                 <a:solidFill>
                   <a:srgbClr val="2A00FF"/>
                 </a:solidFill>
                 <a:latin typeface="+mn-lt"/>
               </a:rPr>
-              <a:t>userName</a:t>
-            </a:r>
-            <a:r>
-              <a:rPr lang="en-US" altLang="zh-CN" sz="2200" i="0" dirty="0" smtClean="0">
+              <a:t>"java.lang.String" </a:t>
+            </a:r>
+            <a:r>
+              <a:rPr lang="en-US" altLang="zh-CN" sz="2200" i="0" smtClean="0">
                 <a:solidFill>
                   <a:srgbClr val="2A00FF"/>
                 </a:solidFill>
                 <a:latin typeface="+mn-lt"/>
               </a:rPr>
-              <a:t>” </a:t>
-            </a:r>
-            <a:r>
-              <a:rPr lang="en-US" altLang="zh-CN" sz="2200" i="0" dirty="0">
-                <a:solidFill>
-                  <a:srgbClr val="7F007F"/>
-                </a:solidFill>
-                <a:latin typeface="+mn-lt"/>
-              </a:rPr>
-              <a:t>type</a:t>
-            </a:r>
-            <a:r>
-              <a:rPr lang="en-US" altLang="zh-CN" sz="2200" i="0" dirty="0" smtClean="0">
-                <a:solidFill>
-                  <a:srgbClr val="000000"/>
-                </a:solidFill>
-                <a:latin typeface="+mn-lt"/>
-              </a:rPr>
-              <a:t>=</a:t>
-            </a:r>
-            <a:r>
-              <a:rPr lang="en-US" altLang="zh-CN" sz="2200" i="0" dirty="0" smtClean="0">
-                <a:solidFill>
-                  <a:srgbClr val="2A00FF"/>
-                </a:solidFill>
-                <a:latin typeface="+mn-lt"/>
-              </a:rPr>
-              <a:t>“</a:t>
-            </a:r>
-            <a:r>
-              <a:rPr lang="en-US" altLang="zh-CN" sz="2200" i="0" err="1" smtClean="0">
-                <a:solidFill>
-                  <a:srgbClr val="2A00FF"/>
-                </a:solidFill>
-                <a:latin typeface="+mn-lt"/>
-              </a:rPr>
-              <a:t>java.lang.String</a:t>
-            </a:r>
-            <a:r>
-              <a:rPr lang="en-US" altLang="zh-CN" sz="2200" i="0" smtClean="0">
-                <a:solidFill>
-                  <a:srgbClr val="2A00FF"/>
-                </a:solidFill>
-                <a:latin typeface="+mn-lt"/>
-              </a:rPr>
-              <a:t>” /</a:t>
+              <a:t>/</a:t>
             </a:r>
             <a:r>
               <a:rPr lang="en-US" altLang="zh-CN" sz="2200" i="0" smtClean="0">
@@ -21747,7 +21741,7 @@
               <a:t>property </a:t>
             </a:r>
             <a:r>
-              <a:rPr lang="en-US" altLang="zh-CN" sz="2200" i="0" dirty="0">
+              <a:rPr lang="en-US" altLang="zh-CN" sz="2200" i="0">
                 <a:solidFill>
                   <a:srgbClr val="7F007F"/>
                 </a:solidFill>
@@ -21755,7 +21749,7 @@
               <a:t>name</a:t>
             </a:r>
             <a:r>
-              <a:rPr lang="en-US" altLang="zh-CN" sz="2200" i="0" dirty="0" smtClean="0">
+              <a:rPr lang="en-US" altLang="zh-CN" sz="2200" i="0" smtClean="0">
                 <a:solidFill>
                   <a:srgbClr val="000000"/>
                 </a:solidFill>
@@ -21763,15 +21757,15 @@
               <a:t>=</a:t>
             </a:r>
             <a:r>
-              <a:rPr lang="en-US" altLang="zh-CN" sz="2200" i="0" dirty="0" smtClean="0">
+              <a:rPr lang="en-US" altLang="zh-CN" sz="2200" i="0" smtClean="0">
                 <a:solidFill>
                   <a:srgbClr val="2A00FF"/>
                 </a:solidFill>
               </a:rPr>
-              <a:t>“password” </a:t>
-            </a:r>
-            <a:r>
-              <a:rPr lang="en-US" altLang="zh-CN" sz="2200" i="0" dirty="0">
+              <a:t>"password" </a:t>
+            </a:r>
+            <a:r>
+              <a:rPr lang="en-US" altLang="zh-CN" sz="2200" i="0">
                 <a:solidFill>
                   <a:srgbClr val="7F007F"/>
                 </a:solidFill>
@@ -21779,7 +21773,7 @@
               <a:t>type</a:t>
             </a:r>
             <a:r>
-              <a:rPr lang="en-US" altLang="zh-CN" sz="2200" i="0" dirty="0">
+              <a:rPr lang="en-US" altLang="zh-CN" sz="2200" i="0" smtClean="0">
                 <a:solidFill>
                   <a:srgbClr val="000000"/>
                 </a:solidFill>
@@ -21787,28 +21781,20 @@
               <a:t>=</a:t>
             </a:r>
             <a:r>
-              <a:rPr lang="en-US" altLang="zh-CN" sz="2200" i="0" dirty="0">
+              <a:rPr lang="en-US" altLang="zh-CN" sz="2200" i="0" smtClean="0">
                 <a:solidFill>
                   <a:srgbClr val="2A00FF"/>
                 </a:solidFill>
               </a:rPr>
-              <a:t>“</a:t>
-            </a:r>
-            <a:r>
-              <a:rPr lang="en-US" altLang="zh-CN" sz="2200" i="0" err="1">
+              <a:t>"java.lang.String" </a:t>
+            </a:r>
+            <a:r>
+              <a:rPr lang="en-US" altLang="zh-CN" sz="2200" i="0" smtClean="0">
                 <a:solidFill>
                   <a:srgbClr val="2A00FF"/>
                 </a:solidFill>
               </a:rPr>
-              <a:t>java.lang.String</a:t>
-            </a:r>
-            <a:r>
-              <a:rPr lang="en-US" altLang="zh-CN" sz="2200" i="0" smtClean="0">
-                <a:solidFill>
-                  <a:srgbClr val="2A00FF"/>
-                </a:solidFill>
-              </a:rPr>
-              <a:t>” /</a:t>
+              <a:t>/</a:t>
             </a:r>
             <a:r>
               <a:rPr lang="en-US" altLang="zh-CN" sz="2200" i="0" smtClean="0">
